--- a/Presentation.pptx
+++ b/Presentation.pptx
@@ -8,6 +8,8 @@
     <p:sldId id="256" r:id="rId2"/>
     <p:sldId id="258" r:id="rId3"/>
     <p:sldId id="257" r:id="rId4"/>
+    <p:sldId id="259" r:id="rId5"/>
+    <p:sldId id="260" r:id="rId6"/>
   </p:sldIdLst>
   <p:sldSz cx="12192000" cy="6858000"/>
   <p:notesSz cx="6858000" cy="9144000"/>
@@ -106,6 +108,11 @@
       </a:defRPr>
     </a:lvl9pPr>
   </p:defaultTextStyle>
+  <p:extLst>
+    <p:ext uri="{EFAFB233-063F-42B5-8137-9DF3F51BA10A}">
+      <p15:sldGuideLst xmlns:p15="http://schemas.microsoft.com/office/powerpoint/2012/main"/>
+    </p:ext>
+  </p:extLst>
 </p:presentation>
 </file>
 
@@ -256,7 +263,7 @@
           <a:p>
             <a:fld id="{3C0037F0-C1E3-4945-9469-50A2CB64CFAE}" type="datetimeFigureOut">
               <a:rPr lang="en-US" smtClean="0"/>
-              <a:t>10/2/2018</a:t>
+              <a:t>10/3/18</a:t>
             </a:fld>
             <a:endParaRPr lang="en-US"/>
           </a:p>
@@ -454,7 +461,7 @@
           <a:p>
             <a:fld id="{3C0037F0-C1E3-4945-9469-50A2CB64CFAE}" type="datetimeFigureOut">
               <a:rPr lang="en-US" smtClean="0"/>
-              <a:t>10/2/2018</a:t>
+              <a:t>10/3/18</a:t>
             </a:fld>
             <a:endParaRPr lang="en-US"/>
           </a:p>
@@ -662,7 +669,7 @@
           <a:p>
             <a:fld id="{3C0037F0-C1E3-4945-9469-50A2CB64CFAE}" type="datetimeFigureOut">
               <a:rPr lang="en-US" smtClean="0"/>
-              <a:t>10/2/2018</a:t>
+              <a:t>10/3/18</a:t>
             </a:fld>
             <a:endParaRPr lang="en-US"/>
           </a:p>
@@ -860,7 +867,7 @@
           <a:p>
             <a:fld id="{3C0037F0-C1E3-4945-9469-50A2CB64CFAE}" type="datetimeFigureOut">
               <a:rPr lang="en-US" smtClean="0"/>
-              <a:t>10/2/2018</a:t>
+              <a:t>10/3/18</a:t>
             </a:fld>
             <a:endParaRPr lang="en-US"/>
           </a:p>
@@ -1135,7 +1142,7 @@
           <a:p>
             <a:fld id="{3C0037F0-C1E3-4945-9469-50A2CB64CFAE}" type="datetimeFigureOut">
               <a:rPr lang="en-US" smtClean="0"/>
-              <a:t>10/2/2018</a:t>
+              <a:t>10/3/18</a:t>
             </a:fld>
             <a:endParaRPr lang="en-US"/>
           </a:p>
@@ -1400,7 +1407,7 @@
           <a:p>
             <a:fld id="{3C0037F0-C1E3-4945-9469-50A2CB64CFAE}" type="datetimeFigureOut">
               <a:rPr lang="en-US" smtClean="0"/>
-              <a:t>10/2/2018</a:t>
+              <a:t>10/3/18</a:t>
             </a:fld>
             <a:endParaRPr lang="en-US"/>
           </a:p>
@@ -1812,7 +1819,7 @@
           <a:p>
             <a:fld id="{3C0037F0-C1E3-4945-9469-50A2CB64CFAE}" type="datetimeFigureOut">
               <a:rPr lang="en-US" smtClean="0"/>
-              <a:t>10/2/2018</a:t>
+              <a:t>10/3/18</a:t>
             </a:fld>
             <a:endParaRPr lang="en-US"/>
           </a:p>
@@ -1953,7 +1960,7 @@
           <a:p>
             <a:fld id="{3C0037F0-C1E3-4945-9469-50A2CB64CFAE}" type="datetimeFigureOut">
               <a:rPr lang="en-US" smtClean="0"/>
-              <a:t>10/2/2018</a:t>
+              <a:t>10/3/18</a:t>
             </a:fld>
             <a:endParaRPr lang="en-US"/>
           </a:p>
@@ -2066,7 +2073,7 @@
           <a:p>
             <a:fld id="{3C0037F0-C1E3-4945-9469-50A2CB64CFAE}" type="datetimeFigureOut">
               <a:rPr lang="en-US" smtClean="0"/>
-              <a:t>10/2/2018</a:t>
+              <a:t>10/3/18</a:t>
             </a:fld>
             <a:endParaRPr lang="en-US"/>
           </a:p>
@@ -2377,7 +2384,7 @@
           <a:p>
             <a:fld id="{3C0037F0-C1E3-4945-9469-50A2CB64CFAE}" type="datetimeFigureOut">
               <a:rPr lang="en-US" smtClean="0"/>
-              <a:t>10/2/2018</a:t>
+              <a:t>10/3/18</a:t>
             </a:fld>
             <a:endParaRPr lang="en-US"/>
           </a:p>
@@ -2665,7 +2672,7 @@
           <a:p>
             <a:fld id="{3C0037F0-C1E3-4945-9469-50A2CB64CFAE}" type="datetimeFigureOut">
               <a:rPr lang="en-US" smtClean="0"/>
-              <a:t>10/2/2018</a:t>
+              <a:t>10/3/18</a:t>
             </a:fld>
             <a:endParaRPr lang="en-US"/>
           </a:p>
@@ -2931,7 +2938,7 @@
           <a:p>
             <a:fld id="{3C0037F0-C1E3-4945-9469-50A2CB64CFAE}" type="datetimeFigureOut">
               <a:rPr lang="en-US" smtClean="0"/>
-              <a:t>10/2/2018</a:t>
+              <a:t>10/3/18</a:t>
             </a:fld>
             <a:endParaRPr lang="en-US"/>
           </a:p>
@@ -3506,18 +3513,13 @@
           <a:lstStyle/>
           <a:p>
             <a:r>
-              <a:rPr lang="en-US" dirty="0" err="1">
+              <a:rPr lang="en-US" dirty="0">
                 <a:solidFill>
                   <a:schemeClr val="bg1"/>
                 </a:solidFill>
               </a:rPr>
-              <a:t>Algo</a:t>
-            </a:r>
-            <a:endParaRPr lang="en-US" dirty="0">
-              <a:solidFill>
-                <a:schemeClr val="bg1"/>
-              </a:solidFill>
-            </a:endParaRPr>
+              <a:t>Algorithm</a:t>
+            </a:r>
           </a:p>
         </p:txBody>
       </p:sp>
@@ -3659,31 +3661,6 @@
           <a:chExt cx="0" cy="0"/>
         </a:xfrm>
       </p:grpSpPr>
-      <p:sp>
-        <p:nvSpPr>
-          <p:cNvPr id="2" name="Title 1">
-            <a:extLst>
-              <a:ext uri="{FF2B5EF4-FFF2-40B4-BE49-F238E27FC236}">
-                <a16:creationId xmlns:a16="http://schemas.microsoft.com/office/drawing/2014/main" id="{2EF77866-4119-403B-83DA-8DF3E92A3003}"/>
-              </a:ext>
-            </a:extLst>
-          </p:cNvPr>
-          <p:cNvSpPr>
-            <a:spLocks noGrp="1"/>
-          </p:cNvSpPr>
-          <p:nvPr>
-            <p:ph type="title"/>
-          </p:nvPr>
-        </p:nvSpPr>
-        <p:spPr/>
-        <p:txBody>
-          <a:bodyPr/>
-          <a:lstStyle/>
-          <a:p>
-            <a:endParaRPr lang="en-US" dirty="0"/>
-          </a:p>
-        </p:txBody>
-      </p:sp>
       <p:pic>
         <p:nvPicPr>
           <p:cNvPr id="5" name="Content Placeholder 4" descr="A screenshot of a cell phone&#10;&#10;Description generated with very high confidence">
@@ -3867,6 +3844,299 @@
     <p:extLst>
       <p:ext uri="{BB962C8B-B14F-4D97-AF65-F5344CB8AC3E}">
         <p14:creationId xmlns:p14="http://schemas.microsoft.com/office/powerpoint/2010/main" val="3386213936"/>
+      </p:ext>
+    </p:extLst>
+  </p:cSld>
+  <p:clrMapOvr>
+    <a:masterClrMapping/>
+  </p:clrMapOvr>
+</p:sld>
+</file>
+
+<file path=ppt/slides/slide4.xml><?xml version="1.0" encoding="utf-8"?>
+<p:sld xmlns:a="http://schemas.openxmlformats.org/drawingml/2006/main" xmlns:r="http://schemas.openxmlformats.org/officeDocument/2006/relationships" xmlns:p="http://schemas.openxmlformats.org/presentationml/2006/main">
+  <p:cSld>
+    <p:spTree>
+      <p:nvGrpSpPr>
+        <p:cNvPr id="1" name=""/>
+        <p:cNvGrpSpPr/>
+        <p:nvPr/>
+      </p:nvGrpSpPr>
+      <p:grpSpPr>
+        <a:xfrm>
+          <a:off x="0" y="0"/>
+          <a:ext cx="0" cy="0"/>
+          <a:chOff x="0" y="0"/>
+          <a:chExt cx="0" cy="0"/>
+        </a:xfrm>
+      </p:grpSpPr>
+      <p:sp>
+        <p:nvSpPr>
+          <p:cNvPr id="2" name="Title 1">
+            <a:extLst>
+              <a:ext uri="{FF2B5EF4-FFF2-40B4-BE49-F238E27FC236}">
+                <a16:creationId xmlns:a16="http://schemas.microsoft.com/office/drawing/2014/main" id="{162A2312-12F9-5F43-AD5A-A282C2422075}"/>
+              </a:ext>
+            </a:extLst>
+          </p:cNvPr>
+          <p:cNvSpPr>
+            <a:spLocks noGrp="1"/>
+          </p:cNvSpPr>
+          <p:nvPr>
+            <p:ph type="title"/>
+          </p:nvPr>
+        </p:nvSpPr>
+        <p:spPr>
+          <a:xfrm>
+            <a:off x="838200" y="365125"/>
+            <a:ext cx="10515600" cy="1066633"/>
+          </a:xfrm>
+        </p:spPr>
+        <p:txBody>
+          <a:bodyPr/>
+          <a:lstStyle/>
+          <a:p>
+            <a:r>
+              <a:rPr lang="en-US" dirty="0">
+                <a:solidFill>
+                  <a:schemeClr val="bg1"/>
+                </a:solidFill>
+              </a:rPr>
+              <a:t>DB Schema</a:t>
+            </a:r>
+          </a:p>
+        </p:txBody>
+      </p:sp>
+      <p:pic>
+        <p:nvPicPr>
+          <p:cNvPr id="6" name="Content Placeholder 5">
+            <a:extLst>
+              <a:ext uri="{FF2B5EF4-FFF2-40B4-BE49-F238E27FC236}">
+                <a16:creationId xmlns:a16="http://schemas.microsoft.com/office/drawing/2014/main" id="{526686C5-F75C-A244-AA2C-3F5A12A54FE2}"/>
+              </a:ext>
+            </a:extLst>
+          </p:cNvPr>
+          <p:cNvPicPr>
+            <a:picLocks noGrp="1" noChangeAspect="1"/>
+          </p:cNvPicPr>
+          <p:nvPr>
+            <p:ph idx="1"/>
+          </p:nvPr>
+        </p:nvPicPr>
+        <p:blipFill>
+          <a:blip r:embed="rId2">
+            <a:extLst>
+              <a:ext uri="{28A0092B-C50C-407E-A947-70E740481C1C}">
+                <a14:useLocalDpi xmlns:a14="http://schemas.microsoft.com/office/drawing/2010/main" val="0"/>
+              </a:ext>
+            </a:extLst>
+          </a:blip>
+          <a:stretch>
+            <a:fillRect/>
+          </a:stretch>
+        </p:blipFill>
+        <p:spPr>
+          <a:xfrm>
+            <a:off x="838200" y="1681163"/>
+            <a:ext cx="4051300" cy="4191000"/>
+          </a:xfrm>
+        </p:spPr>
+      </p:pic>
+      <p:pic>
+        <p:nvPicPr>
+          <p:cNvPr id="8" name="Picture 7">
+            <a:extLst>
+              <a:ext uri="{FF2B5EF4-FFF2-40B4-BE49-F238E27FC236}">
+                <a16:creationId xmlns:a16="http://schemas.microsoft.com/office/drawing/2014/main" id="{4ED8484B-C33B-3740-80EF-D1BE758526FC}"/>
+              </a:ext>
+            </a:extLst>
+          </p:cNvPr>
+          <p:cNvPicPr>
+            <a:picLocks noChangeAspect="1"/>
+          </p:cNvPicPr>
+          <p:nvPr/>
+        </p:nvPicPr>
+        <p:blipFill>
+          <a:blip r:embed="rId3">
+            <a:extLst>
+              <a:ext uri="{28A0092B-C50C-407E-A947-70E740481C1C}">
+                <a14:useLocalDpi xmlns:a14="http://schemas.microsoft.com/office/drawing/2010/main" val="0"/>
+              </a:ext>
+            </a:extLst>
+          </a:blip>
+          <a:stretch>
+            <a:fillRect/>
+          </a:stretch>
+        </p:blipFill>
+        <p:spPr>
+          <a:xfrm>
+            <a:off x="6680200" y="1681163"/>
+            <a:ext cx="4066924" cy="4191000"/>
+          </a:xfrm>
+          <a:prstGeom prst="rect">
+            <a:avLst/>
+          </a:prstGeom>
+        </p:spPr>
+      </p:pic>
+    </p:spTree>
+    <p:extLst>
+      <p:ext uri="{BB962C8B-B14F-4D97-AF65-F5344CB8AC3E}">
+        <p14:creationId xmlns:p14="http://schemas.microsoft.com/office/powerpoint/2010/main" val="2042445040"/>
+      </p:ext>
+    </p:extLst>
+  </p:cSld>
+  <p:clrMapOvr>
+    <a:masterClrMapping/>
+  </p:clrMapOvr>
+</p:sld>
+</file>
+
+<file path=ppt/slides/slide5.xml><?xml version="1.0" encoding="utf-8"?>
+<p:sld xmlns:a="http://schemas.openxmlformats.org/drawingml/2006/main" xmlns:r="http://schemas.openxmlformats.org/officeDocument/2006/relationships" xmlns:p="http://schemas.openxmlformats.org/presentationml/2006/main">
+  <p:cSld>
+    <p:spTree>
+      <p:nvGrpSpPr>
+        <p:cNvPr id="1" name=""/>
+        <p:cNvGrpSpPr/>
+        <p:nvPr/>
+      </p:nvGrpSpPr>
+      <p:grpSpPr>
+        <a:xfrm>
+          <a:off x="0" y="0"/>
+          <a:ext cx="0" cy="0"/>
+          <a:chOff x="0" y="0"/>
+          <a:chExt cx="0" cy="0"/>
+        </a:xfrm>
+      </p:grpSpPr>
+      <p:sp>
+        <p:nvSpPr>
+          <p:cNvPr id="2" name="Title 1">
+            <a:extLst>
+              <a:ext uri="{FF2B5EF4-FFF2-40B4-BE49-F238E27FC236}">
+                <a16:creationId xmlns:a16="http://schemas.microsoft.com/office/drawing/2014/main" id="{C6DAE46B-2895-B544-B29E-5E0B97C7EA85}"/>
+              </a:ext>
+            </a:extLst>
+          </p:cNvPr>
+          <p:cNvSpPr>
+            <a:spLocks noGrp="1"/>
+          </p:cNvSpPr>
+          <p:nvPr>
+            <p:ph type="title"/>
+          </p:nvPr>
+        </p:nvSpPr>
+        <p:spPr/>
+        <p:txBody>
+          <a:bodyPr/>
+          <a:lstStyle/>
+          <a:p>
+            <a:r>
+              <a:rPr lang="en-US" dirty="0">
+                <a:solidFill>
+                  <a:schemeClr val="bg1"/>
+                </a:solidFill>
+              </a:rPr>
+              <a:t>API Implementation</a:t>
+            </a:r>
+          </a:p>
+        </p:txBody>
+      </p:sp>
+      <p:sp>
+        <p:nvSpPr>
+          <p:cNvPr id="3" name="Content Placeholder 2">
+            <a:extLst>
+              <a:ext uri="{FF2B5EF4-FFF2-40B4-BE49-F238E27FC236}">
+                <a16:creationId xmlns:a16="http://schemas.microsoft.com/office/drawing/2014/main" id="{908E016D-4E1E-BA4F-BD59-003E199F8BCA}"/>
+              </a:ext>
+            </a:extLst>
+          </p:cNvPr>
+          <p:cNvSpPr>
+            <a:spLocks noGrp="1"/>
+          </p:cNvSpPr>
+          <p:nvPr>
+            <p:ph idx="1"/>
+          </p:nvPr>
+        </p:nvSpPr>
+        <p:spPr/>
+        <p:txBody>
+          <a:bodyPr/>
+          <a:lstStyle/>
+          <a:p>
+            <a:r>
+              <a:rPr lang="en-US" dirty="0">
+                <a:solidFill>
+                  <a:schemeClr val="bg1"/>
+                </a:solidFill>
+              </a:rPr>
+              <a:t>Images are added on server using express-static</a:t>
+            </a:r>
+          </a:p>
+          <a:p>
+            <a:r>
+              <a:rPr lang="en-US" dirty="0" err="1">
+                <a:solidFill>
+                  <a:schemeClr val="bg1"/>
+                </a:solidFill>
+              </a:rPr>
+              <a:t>saveProduct</a:t>
+            </a:r>
+            <a:r>
+              <a:rPr lang="en-US" dirty="0">
+                <a:solidFill>
+                  <a:schemeClr val="bg1"/>
+                </a:solidFill>
+              </a:rPr>
+              <a:t>() – to save the product to MongoDB</a:t>
+            </a:r>
+          </a:p>
+          <a:p>
+            <a:r>
+              <a:rPr lang="en-US" dirty="0" err="1">
+                <a:solidFill>
+                  <a:schemeClr val="bg1"/>
+                </a:solidFill>
+              </a:rPr>
+              <a:t>getProducts</a:t>
+            </a:r>
+            <a:r>
+              <a:rPr lang="en-US" dirty="0">
+                <a:solidFill>
+                  <a:schemeClr val="bg1"/>
+                </a:solidFill>
+              </a:rPr>
+              <a:t>() – to get product List based on the region id present in the request body</a:t>
+            </a:r>
+          </a:p>
+          <a:p>
+            <a:r>
+              <a:rPr lang="en-US" dirty="0" err="1">
+                <a:solidFill>
+                  <a:schemeClr val="bg1"/>
+                </a:solidFill>
+              </a:rPr>
+              <a:t>getDiscounts</a:t>
+            </a:r>
+            <a:r>
+              <a:rPr lang="en-US" dirty="0">
+                <a:solidFill>
+                  <a:schemeClr val="bg1"/>
+                </a:solidFill>
+              </a:rPr>
+              <a:t>()- to get product information</a:t>
+            </a:r>
+          </a:p>
+          <a:p>
+            <a:endParaRPr lang="en-US" dirty="0">
+              <a:solidFill>
+                <a:schemeClr val="bg1"/>
+              </a:solidFill>
+            </a:endParaRPr>
+          </a:p>
+        </p:txBody>
+      </p:sp>
+    </p:spTree>
+    <p:extLst>
+      <p:ext uri="{BB962C8B-B14F-4D97-AF65-F5344CB8AC3E}">
+        <p14:creationId xmlns:p14="http://schemas.microsoft.com/office/powerpoint/2010/main" val="3408212319"/>
       </p:ext>
     </p:extLst>
   </p:cSld>

--- a/Presentation.pptx
+++ b/Presentation.pptx
@@ -4067,7 +4067,82 @@
                   <a:schemeClr val="bg1"/>
                 </a:solidFill>
               </a:rPr>
-              <a:t>Images are added on server using express-static</a:t>
+              <a:t>Images/static resources are served on server using </a:t>
+            </a:r>
+            <a:r>
+              <a:rPr lang="en-US" dirty="0" err="1">
+                <a:solidFill>
+                  <a:schemeClr val="bg1"/>
+                </a:solidFill>
+              </a:rPr>
+              <a:t>express.static</a:t>
+            </a:r>
+            <a:r>
+              <a:rPr lang="en-US" dirty="0">
+                <a:solidFill>
+                  <a:schemeClr val="bg1"/>
+                </a:solidFill>
+              </a:rPr>
+              <a:t> middleware function</a:t>
+            </a:r>
+          </a:p>
+          <a:p>
+            <a:pPr marL="0" indent="0">
+              <a:buNone/>
+            </a:pPr>
+            <a:endParaRPr lang="en-US" dirty="0">
+              <a:solidFill>
+                <a:schemeClr val="bg1"/>
+              </a:solidFill>
+            </a:endParaRPr>
+          </a:p>
+          <a:p>
+            <a:pPr marL="0" indent="0">
+              <a:buNone/>
+            </a:pPr>
+            <a:r>
+              <a:rPr lang="en-US" dirty="0">
+                <a:solidFill>
+                  <a:schemeClr val="bg1"/>
+                </a:solidFill>
+              </a:rPr>
+              <a:t>API functions to fetch Products based on the region:</a:t>
+            </a:r>
+          </a:p>
+          <a:p>
+            <a:r>
+              <a:rPr lang="en-US" dirty="0" err="1">
+                <a:solidFill>
+                  <a:schemeClr val="bg1"/>
+                </a:solidFill>
+              </a:rPr>
+              <a:t>getProducts</a:t>
+            </a:r>
+            <a:r>
+              <a:rPr lang="en-US" dirty="0">
+                <a:solidFill>
+                  <a:schemeClr val="bg1"/>
+                </a:solidFill>
+              </a:rPr>
+              <a:t>() – to get product List based on the region id present in the request body</a:t>
+            </a:r>
+          </a:p>
+          <a:p>
+            <a:r>
+              <a:rPr lang="en-US" dirty="0" err="1">
+                <a:solidFill>
+                  <a:schemeClr val="bg1"/>
+                </a:solidFill>
+              </a:rPr>
+              <a:t>getDiscounts</a:t>
+            </a:r>
+            <a:r>
+              <a:rPr lang="en-US" dirty="0">
+                <a:solidFill>
+                  <a:schemeClr val="bg1"/>
+                </a:solidFill>
+              </a:rPr>
+              <a:t>()- to get product information</a:t>
             </a:r>
           </a:p>
           <a:p>
@@ -4089,42 +4164,16 @@
             </a:r>
           </a:p>
           <a:p>
-            <a:r>
-              <a:rPr lang="en-US" dirty="0" err="1">
-                <a:solidFill>
-                  <a:schemeClr val="bg1"/>
-                </a:solidFill>
-              </a:rPr>
-              <a:t>getProducts</a:t>
-            </a:r>
-            <a:r>
-              <a:rPr lang="en-US" dirty="0">
-                <a:solidFill>
-                  <a:schemeClr val="bg1"/>
-                </a:solidFill>
-              </a:rPr>
-              <a:t>() – to get product List based on the region id present in the request body</a:t>
-            </a:r>
-          </a:p>
-          <a:p>
-            <a:r>
-              <a:rPr lang="en-US" dirty="0" err="1">
-                <a:solidFill>
-                  <a:schemeClr val="bg1"/>
-                </a:solidFill>
-              </a:rPr>
-              <a:t>getDiscounts</a:t>
-            </a:r>
-            <a:r>
-              <a:rPr lang="en-US" dirty="0">
-                <a:solidFill>
-                  <a:schemeClr val="bg1"/>
-                </a:solidFill>
-              </a:rPr>
-              <a:t>()- to get product information</a:t>
-            </a:r>
-          </a:p>
-          <a:p>
+            <a:endParaRPr lang="en-US" dirty="0">
+              <a:solidFill>
+                <a:schemeClr val="bg1"/>
+              </a:solidFill>
+            </a:endParaRPr>
+          </a:p>
+          <a:p>
+            <a:pPr marL="0" indent="0">
+              <a:buNone/>
+            </a:pPr>
             <a:endParaRPr lang="en-US" dirty="0">
               <a:solidFill>
                 <a:schemeClr val="bg1"/>

--- a/Presentation.pptx
+++ b/Presentation.pptx
@@ -4116,7 +4116,7 @@
                   <a:schemeClr val="bg1"/>
                 </a:solidFill>
               </a:rPr>
-              <a:t>getProducts</a:t>
+              <a:t>getDiscounts</a:t>
             </a:r>
             <a:r>
               <a:rPr lang="en-US" dirty="0">
@@ -4124,30 +4124,12 @@
                   <a:schemeClr val="bg1"/>
                 </a:solidFill>
               </a:rPr>
-              <a:t>() – to get product List based on the region id present in the request body</a:t>
-            </a:r>
-          </a:p>
-          <a:p>
-            <a:r>
-              <a:rPr lang="en-US" dirty="0" err="1">
-                <a:solidFill>
-                  <a:schemeClr val="bg1"/>
-                </a:solidFill>
-              </a:rPr>
-              <a:t>getDiscounts</a:t>
-            </a:r>
-            <a:r>
-              <a:rPr lang="en-US" dirty="0">
-                <a:solidFill>
-                  <a:schemeClr val="bg1"/>
-                </a:solidFill>
-              </a:rPr>
-              <a:t>()- to get product information</a:t>
-            </a:r>
-          </a:p>
-          <a:p>
-            <a:r>
-              <a:rPr lang="en-US" dirty="0" err="1">
+              <a:t>()– to get product List based on the region id present in the request body</a:t>
+            </a:r>
+          </a:p>
+          <a:p>
+            <a:r>
+              <a:rPr lang="en-US">
                 <a:solidFill>
                   <a:schemeClr val="bg1"/>
                 </a:solidFill>
